--- a/CheerMeApp.pptx
+++ b/CheerMeApp.pptx
@@ -5,14 +5,15 @@
     <p:sldMasterId id="2147483888" r:id="rId1"/>
   </p:sldMasterIdLst>
   <p:notesMasterIdLst>
-    <p:notesMasterId r:id="rId7"/>
+    <p:notesMasterId r:id="rId8"/>
   </p:notesMasterIdLst>
   <p:sldIdLst>
     <p:sldId id="256" r:id="rId2"/>
     <p:sldId id="257" r:id="rId3"/>
     <p:sldId id="259" r:id="rId4"/>
     <p:sldId id="260" r:id="rId5"/>
-    <p:sldId id="258" r:id="rId6"/>
+    <p:sldId id="261" r:id="rId6"/>
+    <p:sldId id="258" r:id="rId7"/>
   </p:sldIdLst>
   <p:sldSz cx="12192000" cy="6858000"/>
   <p:notesSz cx="6858000" cy="9144000"/>
@@ -201,7 +202,7 @@
           <a:p>
             <a:fld id="{07079DF0-2DCC-42CC-9C70-7DC8EEEE9DE1}" type="datetimeFigureOut">
               <a:rPr lang="en-US" smtClean="0"/>
-              <a:t>8/11/2016</a:t>
+              <a:t>8/13/2016</a:t>
             </a:fld>
             <a:endParaRPr lang="en-US"/>
           </a:p>
@@ -513,6 +514,10 @@
           <a:bodyPr/>
           <a:lstStyle/>
           <a:p>
+            <a:pPr marL="0" indent="0">
+              <a:buFont typeface="Arial" panose="020B0604020202020204" pitchFamily="34" charset="0"/>
+              <a:buNone/>
+            </a:pPr>
             <a:r>
               <a:rPr lang="en-US" sz="1200" b="0" i="0" kern="1200" dirty="0" smtClean="0">
                 <a:solidFill>
@@ -523,10 +528,10 @@
                 <a:ea typeface="+mn-ea"/>
                 <a:cs typeface="+mn-cs"/>
               </a:rPr>
-              <a:t>According to recent psychological research one of the main causes of many psychological problems is the habit of emotional avoidance. This may seem surprising, because the attempt to avoid negative emotions appears to be a reasonable thing. After all, negative emotions don't feel good, and they are often linked in our minds to negative events that we want to avoid or forget. Moreover, we are </a:t>
-            </a:r>
-            <a:r>
-              <a:rPr lang="en-US" sz="1200" b="0" i="0" kern="1200" smtClean="0">
+              <a:t>According to recent psychological research one of the main causes of many psychological problems is the habit of emotional avoidance</a:t>
+            </a:r>
+            <a:r>
+              <a:rPr lang="en-US" sz="1200" b="0" i="0" kern="1200" baseline="0" dirty="0" smtClean="0">
                 <a:solidFill>
                   <a:schemeClr val="tx1"/>
                 </a:solidFill>
@@ -535,7 +540,7 @@
                 <a:ea typeface="+mn-ea"/>
                 <a:cs typeface="+mn-cs"/>
               </a:rPr>
-              <a:t>all accustomed </a:t>
+              <a:t> -- t</a:t>
             </a:r>
             <a:r>
               <a:rPr lang="en-US" sz="1200" b="0" i="0" kern="1200" dirty="0" smtClean="0">
@@ -547,10 +552,10 @@
                 <a:ea typeface="+mn-ea"/>
                 <a:cs typeface="+mn-cs"/>
               </a:rPr>
-              <a:t>with </a:t>
-            </a:r>
-            <a:r>
-              <a:rPr lang="en-US" sz="1200" b="0" i="0" kern="1200" smtClean="0">
+              <a:t>he attempt to avoid negative emotions--</a:t>
+            </a:r>
+            <a:r>
+              <a:rPr lang="en-US" sz="1200" b="0" i="0" kern="1200" baseline="0" dirty="0" smtClean="0">
                 <a:solidFill>
                   <a:schemeClr val="tx1"/>
                 </a:solidFill>
@@ -559,7 +564,7 @@
                 <a:ea typeface="+mn-ea"/>
                 <a:cs typeface="+mn-cs"/>
               </a:rPr>
-              <a:t>the fleeting relief, </a:t>
+              <a:t> WHICH</a:t>
             </a:r>
             <a:r>
               <a:rPr lang="en-US" sz="1200" b="0" i="0" kern="1200" dirty="0" smtClean="0">
@@ -571,10 +576,10 @@
                 <a:ea typeface="+mn-ea"/>
                 <a:cs typeface="+mn-cs"/>
               </a:rPr>
-              <a:t>that avoidance can </a:t>
-            </a:r>
-            <a:r>
-              <a:rPr lang="en-US" sz="1200" b="0" i="0" kern="1200" smtClean="0">
+              <a:t> appears to be a reasonable thing. </a:t>
+            </a:r>
+            <a:r>
+              <a:rPr lang="en-US" sz="1200" b="0" i="1" kern="1200" dirty="0" smtClean="0">
                 <a:solidFill>
                   <a:schemeClr val="tx1"/>
                 </a:solidFill>
@@ -583,12 +588,10 @@
                 <a:ea typeface="+mn-ea"/>
                 <a:cs typeface="+mn-cs"/>
               </a:rPr>
-              <a:t>provide.  Long term, however, it becomes a bigger problem avoiding and addressing the emotion in the first place.</a:t>
-            </a:r>
-          </a:p>
-          <a:p>
-            <a:r>
-              <a:rPr lang="en-US" sz="1200" b="0" i="0" kern="1200" smtClean="0">
+              <a:t>After all, </a:t>
+            </a:r>
+            <a:r>
+              <a:rPr lang="en-US" sz="1200" b="0" i="0" kern="1200" dirty="0" smtClean="0">
                 <a:solidFill>
                   <a:schemeClr val="tx1"/>
                 </a:solidFill>
@@ -597,10 +600,10 @@
                 <a:ea typeface="+mn-ea"/>
                 <a:cs typeface="+mn-cs"/>
               </a:rPr>
-              <a:t>It’s important to recognize your emotional state, and CheerMeApp</a:t>
-            </a:r>
-            <a:r>
-              <a:rPr lang="en-US" sz="1200" b="0" i="0" kern="1200" baseline="0" smtClean="0">
+              <a:t>negative emotions don't </a:t>
+            </a:r>
+            <a:r>
+              <a:rPr lang="en-US" sz="1200" b="0" i="1" kern="1200" dirty="0" smtClean="0">
                 <a:solidFill>
                   <a:schemeClr val="tx1"/>
                 </a:solidFill>
@@ -609,17 +612,92 @@
                 <a:ea typeface="+mn-ea"/>
                 <a:cs typeface="+mn-cs"/>
               </a:rPr>
-              <a:t> does just that.</a:t>
-            </a:r>
-            <a:endParaRPr lang="en-US" sz="1200" b="0" i="0" kern="1200" smtClean="0">
-              <a:solidFill>
-                <a:schemeClr val="tx1"/>
-              </a:solidFill>
-              <a:effectLst/>
-              <a:latin typeface="+mn-lt"/>
-              <a:ea typeface="+mn-ea"/>
-              <a:cs typeface="+mn-cs"/>
-            </a:endParaRPr>
+              <a:t>feel</a:t>
+            </a:r>
+            <a:r>
+              <a:rPr lang="en-US" sz="1200" b="0" i="0" kern="1200" dirty="0" smtClean="0">
+                <a:solidFill>
+                  <a:schemeClr val="tx1"/>
+                </a:solidFill>
+                <a:effectLst/>
+                <a:latin typeface="+mn-lt"/>
+                <a:ea typeface="+mn-ea"/>
+                <a:cs typeface="+mn-cs"/>
+              </a:rPr>
+              <a:t> good, and they are often linked in our minds to negative events that we want to avoid.. or forget. </a:t>
+            </a:r>
+            <a:r>
+              <a:rPr lang="en-US" sz="1200" b="0" i="0" kern="1200" baseline="0" dirty="0" smtClean="0">
+                <a:solidFill>
+                  <a:schemeClr val="tx1"/>
+                </a:solidFill>
+                <a:effectLst/>
+                <a:latin typeface="+mn-lt"/>
+                <a:ea typeface="+mn-ea"/>
+                <a:cs typeface="+mn-cs"/>
+              </a:rPr>
+              <a:t> </a:t>
+            </a:r>
+          </a:p>
+          <a:p>
+            <a:pPr marL="0" indent="0">
+              <a:buFont typeface="Arial" panose="020B0604020202020204" pitchFamily="34" charset="0"/>
+              <a:buNone/>
+            </a:pPr>
+            <a:r>
+              <a:rPr lang="en-US" sz="1200" b="0" i="0" kern="1200" baseline="0" dirty="0" smtClean="0">
+                <a:solidFill>
+                  <a:schemeClr val="tx1"/>
+                </a:solidFill>
+                <a:effectLst/>
+                <a:latin typeface="+mn-lt"/>
+                <a:ea typeface="+mn-ea"/>
+                <a:cs typeface="+mn-cs"/>
+              </a:rPr>
+              <a:t>And w</a:t>
+            </a:r>
+            <a:r>
+              <a:rPr lang="en-US" sz="1200" b="0" i="0" kern="1200" dirty="0" smtClean="0">
+                <a:solidFill>
+                  <a:schemeClr val="tx1"/>
+                </a:solidFill>
+                <a:effectLst/>
+                <a:latin typeface="+mn-lt"/>
+                <a:ea typeface="+mn-ea"/>
+                <a:cs typeface="+mn-cs"/>
+              </a:rPr>
+              <a:t>e get accustomed with that fleeting relief (right?), that avoidance can provide.  Long term, however, it</a:t>
+            </a:r>
+            <a:r>
+              <a:rPr lang="en-US" sz="1200" b="0" i="0" kern="1200" baseline="0" dirty="0" smtClean="0">
+                <a:solidFill>
+                  <a:schemeClr val="tx1"/>
+                </a:solidFill>
+                <a:effectLst/>
+                <a:latin typeface="+mn-lt"/>
+                <a:ea typeface="+mn-ea"/>
+                <a:cs typeface="+mn-cs"/>
+              </a:rPr>
+              <a:t> can become a bigger problem.  </a:t>
+            </a:r>
+          </a:p>
+          <a:p>
+            <a:pPr marL="0" indent="0">
+              <a:buFont typeface="Arial" panose="020B0604020202020204" pitchFamily="34" charset="0"/>
+              <a:buNone/>
+            </a:pPr>
+            <a:r>
+              <a:rPr lang="en-US" sz="1200" b="0" i="0" kern="1200" baseline="0" dirty="0" smtClean="0">
+                <a:solidFill>
+                  <a:schemeClr val="tx1"/>
+                </a:solidFill>
+                <a:effectLst/>
+                <a:latin typeface="+mn-lt"/>
+                <a:ea typeface="+mn-ea"/>
+                <a:cs typeface="+mn-cs"/>
+              </a:rPr>
+              <a:t>Actions &gt; habits &gt; behaviors &gt;personalities</a:t>
+            </a:r>
           </a:p>
         </p:txBody>
       </p:sp>
@@ -703,6 +781,23 @@
           <a:bodyPr/>
           <a:lstStyle/>
           <a:p>
+            <a:pPr marL="0" marR="0" lvl="0" indent="0" algn="l" defTabSz="914400" rtl="0" eaLnBrk="1" fontAlgn="auto" latinLnBrk="0" hangingPunct="1">
+              <a:lnSpc>
+                <a:spcPct val="100000"/>
+              </a:lnSpc>
+              <a:spcBef>
+                <a:spcPts val="0"/>
+              </a:spcBef>
+              <a:spcAft>
+                <a:spcPts val="0"/>
+              </a:spcAft>
+              <a:buClrTx/>
+              <a:buSzTx/>
+              <a:buFontTx/>
+              <a:buNone/>
+              <a:tabLst/>
+              <a:defRPr/>
+            </a:pPr>
             <a:r>
               <a:rPr lang="en-US" sz="1200" b="0" i="0" kern="1200" dirty="0" smtClean="0">
                 <a:solidFill>
@@ -713,7 +808,19 @@
                 <a:ea typeface="+mn-ea"/>
                 <a:cs typeface="+mn-cs"/>
               </a:rPr>
-              <a:t>Whe</a:t>
+              <a:t>It’s important to recognize your emotional state, and </a:t>
+            </a:r>
+            <a:r>
+              <a:rPr lang="en-US" sz="1200" b="0" i="0" kern="1200" dirty="0" err="1" smtClean="0">
+                <a:solidFill>
+                  <a:schemeClr val="tx1"/>
+                </a:solidFill>
+                <a:effectLst/>
+                <a:latin typeface="+mn-lt"/>
+                <a:ea typeface="+mn-ea"/>
+                <a:cs typeface="+mn-cs"/>
+              </a:rPr>
+              <a:t>CheerMeApp</a:t>
             </a:r>
             <a:r>
               <a:rPr lang="en-US" sz="1200" b="0" i="0" kern="1200" baseline="0" dirty="0" smtClean="0">
@@ -725,8 +832,19 @@
                 <a:ea typeface="+mn-ea"/>
                 <a:cs typeface="+mn-cs"/>
               </a:rPr>
-              <a:t>n it comes to music, your</a:t>
-            </a:r>
+              <a:t> does just that.</a:t>
+            </a:r>
+            <a:endParaRPr lang="en-US" sz="1200" b="0" i="0" kern="1200" dirty="0" smtClean="0">
+              <a:solidFill>
+                <a:schemeClr val="tx1"/>
+              </a:solidFill>
+              <a:effectLst/>
+              <a:latin typeface="+mn-lt"/>
+              <a:ea typeface="+mn-ea"/>
+              <a:cs typeface="+mn-cs"/>
+            </a:endParaRPr>
+          </a:p>
+          <a:p>
             <a:r>
               <a:rPr lang="en-US" sz="1200" b="0" i="0" kern="1200" dirty="0" smtClean="0">
                 <a:solidFill>
@@ -737,7 +855,19 @@
                 <a:ea typeface="+mn-ea"/>
                 <a:cs typeface="+mn-cs"/>
               </a:rPr>
-              <a:t> brain imposes structure and order on a sequence of sounds that, in effect, creates an entirely new system of meaning. </a:t>
+              <a:t>The appreciation of music is tied to the ability to process its underlying structure and predict what will occur next in the song (rhythm</a:t>
+            </a:r>
+            <a:r>
+              <a:rPr lang="en-US" sz="1200" b="0" i="0" kern="1200" baseline="0" dirty="0" smtClean="0">
+                <a:solidFill>
+                  <a:schemeClr val="tx1"/>
+                </a:solidFill>
+                <a:effectLst/>
+                <a:latin typeface="+mn-lt"/>
+                <a:ea typeface="+mn-ea"/>
+                <a:cs typeface="+mn-cs"/>
+              </a:rPr>
+              <a:t>)</a:t>
             </a:r>
             <a:r>
               <a:rPr lang="en-US" sz="1200" b="0" i="0" kern="1200" dirty="0" smtClean="0">
@@ -749,7 +879,7 @@
                 <a:ea typeface="+mn-ea"/>
                 <a:cs typeface="+mn-cs"/>
               </a:rPr>
-              <a:t> It retrains how you think.</a:t>
+              <a:t>. What if you could organize your </a:t>
             </a:r>
             <a:r>
               <a:rPr lang="en-US" sz="1200" b="0" i="0" kern="1200" baseline="0" dirty="0" smtClean="0">
@@ -761,7 +891,7 @@
                 <a:ea typeface="+mn-ea"/>
                 <a:cs typeface="+mn-cs"/>
               </a:rPr>
-              <a:t> </a:t>
+              <a:t>emotions as they come, through the power of music?  N</a:t>
             </a:r>
             <a:r>
               <a:rPr lang="en-US" sz="1200" b="0" i="0" kern="1200" dirty="0" smtClean="0">
@@ -773,31 +903,7 @@
                 <a:ea typeface="+mn-ea"/>
                 <a:cs typeface="+mn-cs"/>
               </a:rPr>
-              <a:t>The </a:t>
-            </a:r>
-            <a:r>
-              <a:rPr lang="en-US" sz="1200" b="0" i="0" kern="1200" dirty="0" smtClean="0">
-                <a:solidFill>
-                  <a:schemeClr val="tx1"/>
-                </a:solidFill>
-                <a:effectLst/>
-                <a:latin typeface="+mn-lt"/>
-                <a:ea typeface="+mn-ea"/>
-                <a:cs typeface="+mn-cs"/>
-              </a:rPr>
-              <a:t>appreciation of music is tied to the ability to process its underlying structure — the ability to predict what will occur next in the song. </a:t>
-            </a:r>
-            <a:r>
-              <a:rPr lang="en-US" sz="1200" b="0" i="0" kern="1200" dirty="0" smtClean="0">
-                <a:solidFill>
-                  <a:schemeClr val="tx1"/>
-                </a:solidFill>
-                <a:effectLst/>
-                <a:latin typeface="+mn-lt"/>
-                <a:ea typeface="+mn-ea"/>
-                <a:cs typeface="+mn-cs"/>
-              </a:rPr>
-              <a:t> What if you could predict</a:t>
+              <a:t>ot only analyz</a:t>
             </a:r>
             <a:r>
               <a:rPr lang="en-US" sz="1200" b="0" i="0" kern="1200" baseline="0" dirty="0" smtClean="0">
@@ -809,43 +915,7 @@
                 <a:ea typeface="+mn-ea"/>
                 <a:cs typeface="+mn-cs"/>
               </a:rPr>
-              <a:t> and retrain emotions as they come, through the power of music?  N</a:t>
-            </a:r>
-            <a:r>
-              <a:rPr lang="en-US" sz="1200" b="0" i="0" kern="1200" dirty="0" smtClean="0">
-                <a:solidFill>
-                  <a:schemeClr val="tx1"/>
-                </a:solidFill>
-                <a:effectLst/>
-                <a:latin typeface="+mn-lt"/>
-                <a:ea typeface="+mn-ea"/>
-                <a:cs typeface="+mn-cs"/>
-              </a:rPr>
-              <a:t>ot </a:t>
-            </a:r>
-            <a:r>
-              <a:rPr lang="en-US" sz="1200" b="0" i="0" kern="1200" dirty="0" smtClean="0">
-                <a:solidFill>
-                  <a:schemeClr val="tx1"/>
-                </a:solidFill>
-                <a:effectLst/>
-                <a:latin typeface="+mn-lt"/>
-                <a:ea typeface="+mn-ea"/>
-                <a:cs typeface="+mn-cs"/>
-              </a:rPr>
-              <a:t>only analyz</a:t>
-            </a:r>
-            <a:r>
-              <a:rPr lang="en-US" sz="1200" b="0" i="0" kern="1200" baseline="0" dirty="0" smtClean="0">
-                <a:solidFill>
-                  <a:schemeClr val="tx1"/>
-                </a:solidFill>
-                <a:effectLst/>
-                <a:latin typeface="+mn-lt"/>
-                <a:ea typeface="+mn-ea"/>
-                <a:cs typeface="+mn-cs"/>
-              </a:rPr>
-              <a:t>e emotion, but direct it, and as time comes past- better control it.</a:t>
+              <a:t>e emotion, but direct it, and with time, better control it.</a:t>
             </a:r>
           </a:p>
           <a:p>
@@ -957,23 +1027,29 @@
           <a:p>
             <a:r>
               <a:rPr lang="en-US" dirty="0" smtClean="0"/>
-              <a:t>http://</a:t>
-            </a:r>
+              <a:t>http://www.hdwallpaperspulse.com/wp-content/uploads/2012/10/baby_image.jpg</a:t>
+            </a:r>
+          </a:p>
+          <a:p>
+            <a:endParaRPr lang="en-US" dirty="0" smtClean="0"/>
+          </a:p>
+          <a:p>
             <a:r>
               <a:rPr lang="en-US" dirty="0" smtClean="0"/>
-              <a:t>www.hdwallpaperspulse.com/wp-content/uploads/2012/10/baby_image.jpg</a:t>
+              <a:t>https://s-media-cache-ak0.pinimg.com/236x/93/b7/c3/93b7c38004215853eb6a2b0e9bc984e4.jpg</a:t>
             </a:r>
           </a:p>
           <a:p>
             <a:endParaRPr lang="en-US" dirty="0" smtClean="0"/>
           </a:p>
           <a:p>
-            <a:endParaRPr lang="en-US" dirty="0" smtClean="0"/>
-          </a:p>
-          <a:p>
             <a:r>
               <a:rPr lang="en-US" dirty="0" smtClean="0"/>
-              <a:t>https://img.buzzfeed.com/buzzfeed-static/static/2015-01/26/21/enhanced/webdr09/enhanced-1014-1422325554-19.jpg</a:t>
+              <a:t>Class group pic</a:t>
+            </a:r>
+            <a:r>
+              <a:rPr lang="en-US" baseline="0" dirty="0" smtClean="0"/>
+              <a:t> to slack</a:t>
             </a:r>
             <a:endParaRPr lang="en-US" dirty="0"/>
           </a:p>
@@ -1334,7 +1410,7 @@
             <a:fld id="{5586B75A-687E-405C-8A0B-8D00578BA2C3}" type="datetimeFigureOut">
               <a:rPr lang="en-US" smtClean="0"/>
               <a:pPr/>
-              <a:t>8/11/2016</a:t>
+              <a:t>8/13/2016</a:t>
             </a:fld>
             <a:endParaRPr lang="en-US" dirty="0"/>
           </a:p>
@@ -1506,7 +1582,7 @@
             <a:fld id="{5586B75A-687E-405C-8A0B-8D00578BA2C3}" type="datetimeFigureOut">
               <a:rPr lang="en-US" smtClean="0"/>
               <a:pPr/>
-              <a:t>8/11/2016</a:t>
+              <a:t>8/13/2016</a:t>
             </a:fld>
             <a:endParaRPr lang="en-US" dirty="0"/>
           </a:p>
@@ -1688,7 +1764,7 @@
             <a:fld id="{5586B75A-687E-405C-8A0B-8D00578BA2C3}" type="datetimeFigureOut">
               <a:rPr lang="en-US" smtClean="0"/>
               <a:pPr/>
-              <a:t>8/11/2016</a:t>
+              <a:t>8/13/2016</a:t>
             </a:fld>
             <a:endParaRPr lang="en-US" dirty="0"/>
           </a:p>
@@ -1860,7 +1936,7 @@
             <a:fld id="{5586B75A-687E-405C-8A0B-8D00578BA2C3}" type="datetimeFigureOut">
               <a:rPr lang="en-US" smtClean="0"/>
               <a:pPr/>
-              <a:t>8/11/2016</a:t>
+              <a:t>8/13/2016</a:t>
             </a:fld>
             <a:endParaRPr lang="en-US" dirty="0"/>
           </a:p>
@@ -2120,7 +2196,7 @@
             <a:fld id="{5586B75A-687E-405C-8A0B-8D00578BA2C3}" type="datetimeFigureOut">
               <a:rPr lang="en-US" smtClean="0"/>
               <a:pPr/>
-              <a:t>8/11/2016</a:t>
+              <a:t>8/13/2016</a:t>
             </a:fld>
             <a:endParaRPr lang="en-US" dirty="0"/>
           </a:p>
@@ -2410,7 +2486,7 @@
             <a:fld id="{5586B75A-687E-405C-8A0B-8D00578BA2C3}" type="datetimeFigureOut">
               <a:rPr lang="en-US" smtClean="0"/>
               <a:pPr/>
-              <a:t>8/11/2016</a:t>
+              <a:t>8/13/2016</a:t>
             </a:fld>
             <a:endParaRPr lang="en-US" dirty="0"/>
           </a:p>
@@ -2854,7 +2930,7 @@
             <a:fld id="{5586B75A-687E-405C-8A0B-8D00578BA2C3}" type="datetimeFigureOut">
               <a:rPr lang="en-US" smtClean="0"/>
               <a:pPr/>
-              <a:t>8/11/2016</a:t>
+              <a:t>8/13/2016</a:t>
             </a:fld>
             <a:endParaRPr lang="en-US" dirty="0"/>
           </a:p>
@@ -2974,7 +3050,7 @@
             <a:fld id="{5586B75A-687E-405C-8A0B-8D00578BA2C3}" type="datetimeFigureOut">
               <a:rPr lang="en-US" smtClean="0"/>
               <a:pPr/>
-              <a:t>8/11/2016</a:t>
+              <a:t>8/13/2016</a:t>
             </a:fld>
             <a:endParaRPr lang="en-US" dirty="0"/>
           </a:p>
@@ -3071,7 +3147,7 @@
             <a:fld id="{5586B75A-687E-405C-8A0B-8D00578BA2C3}" type="datetimeFigureOut">
               <a:rPr lang="en-US" smtClean="0"/>
               <a:pPr/>
-              <a:t>8/11/2016</a:t>
+              <a:t>8/13/2016</a:t>
             </a:fld>
             <a:endParaRPr lang="en-US" dirty="0"/>
           </a:p>
@@ -3361,7 +3437,7 @@
             <a:fld id="{5586B75A-687E-405C-8A0B-8D00578BA2C3}" type="datetimeFigureOut">
               <a:rPr lang="en-US" smtClean="0"/>
               <a:pPr/>
-              <a:t>8/11/2016</a:t>
+              <a:t>8/13/2016</a:t>
             </a:fld>
             <a:endParaRPr lang="en-US" dirty="0"/>
           </a:p>
@@ -3637,7 +3713,7 @@
             <a:fld id="{5586B75A-687E-405C-8A0B-8D00578BA2C3}" type="datetimeFigureOut">
               <a:rPr lang="en-US" smtClean="0"/>
               <a:pPr/>
-              <a:t>8/11/2016</a:t>
+              <a:t>8/13/2016</a:t>
             </a:fld>
             <a:endParaRPr lang="en-US" dirty="0"/>
           </a:p>
@@ -3938,7 +4014,7 @@
             <a:fld id="{5586B75A-687E-405C-8A0B-8D00578BA2C3}" type="datetimeFigureOut">
               <a:rPr lang="en-US" smtClean="0"/>
               <a:pPr/>
-              <a:t>8/11/2016</a:t>
+              <a:t>8/13/2016</a:t>
             </a:fld>
             <a:endParaRPr lang="en-US" dirty="0"/>
           </a:p>
@@ -4582,7 +4658,7 @@
         </p:nvSpPr>
         <p:spPr>
           <a:xfrm>
-            <a:off x="3828016" y="864108"/>
+            <a:off x="3709484" y="243921"/>
             <a:ext cx="7315200" cy="5120640"/>
           </a:xfrm>
         </p:spPr>
@@ -4604,19 +4680,23 @@
             </a:r>
             <a:r>
               <a:rPr lang="en-US" dirty="0"/>
-              <a:t>a face recognition application that determines the </a:t>
-            </a:r>
-            <a:r>
-              <a:rPr lang="en-US"/>
-              <a:t>mood </a:t>
-            </a:r>
-            <a:r>
-              <a:rPr lang="en-US" smtClean="0"/>
-              <a:t>of an image and gives you songs based </a:t>
+              <a:t>a face recognition application that </a:t>
+            </a:r>
+            <a:r>
+              <a:rPr lang="en-US" dirty="0" smtClean="0"/>
+              <a:t>looks at our expressions and gives us music based </a:t>
             </a:r>
             <a:r>
               <a:rPr lang="en-US" dirty="0"/>
-              <a:t>on the their mood.  </a:t>
+              <a:t>on </a:t>
+            </a:r>
+            <a:r>
+              <a:rPr lang="en-US" dirty="0" smtClean="0"/>
+              <a:t>mood</a:t>
+            </a:r>
+            <a:r>
+              <a:rPr lang="en-US" dirty="0"/>
+              <a:t>.  </a:t>
             </a:r>
             <a:r>
               <a:rPr lang="en-US" dirty="0" smtClean="0"/>
@@ -4625,16 +4705,24 @@
           </a:p>
           <a:p>
             <a:r>
-              <a:rPr lang="en-US" u="sng" smtClean="0"/>
+              <a:rPr lang="en-US" u="sng" dirty="0" smtClean="0"/>
               <a:t>Face++:</a:t>
             </a:r>
             <a:r>
-              <a:rPr lang="en-US" smtClean="0"/>
+              <a:rPr lang="en-US" dirty="0" smtClean="0"/>
               <a:t>  Real-time </a:t>
             </a:r>
             <a:r>
               <a:rPr lang="en-US" dirty="0"/>
-              <a:t>Face Recognition with Leading </a:t>
+              <a:t>Face Recognition </a:t>
+            </a:r>
+            <a:r>
+              <a:rPr lang="en-US" dirty="0" smtClean="0"/>
+              <a:t>resource with </a:t>
+            </a:r>
+            <a:r>
+              <a:rPr lang="en-US" dirty="0"/>
+              <a:t>Leading </a:t>
             </a:r>
             <a:r>
               <a:rPr lang="en-US" dirty="0" smtClean="0"/>
@@ -4643,23 +4731,23 @@
           </a:p>
           <a:p>
             <a:r>
-              <a:rPr lang="en-US" u="sng" smtClean="0"/>
+              <a:rPr lang="en-US" u="sng" dirty="0" smtClean="0"/>
               <a:t>Free Music Archive:</a:t>
             </a:r>
             <a:r>
-              <a:rPr lang="en-US"/>
+              <a:rPr lang="en-US" dirty="0"/>
               <a:t>  D</a:t>
             </a:r>
             <a:r>
-              <a:rPr lang="en-US" smtClean="0"/>
+              <a:rPr lang="en-US" dirty="0" smtClean="0"/>
               <a:t>igital </a:t>
             </a:r>
             <a:r>
-              <a:rPr lang="en-US"/>
+              <a:rPr lang="en-US" dirty="0"/>
               <a:t>repository for music that wants to be shared, with more than 100,000 free and legal </a:t>
             </a:r>
             <a:r>
-              <a:rPr lang="en-US" smtClean="0"/>
+              <a:rPr lang="en-US" dirty="0" smtClean="0"/>
               <a:t>tracks</a:t>
             </a:r>
             <a:endParaRPr lang="en-US" dirty="0"/>
@@ -4693,7 +4781,7 @@
                   <a:schemeClr val="bg1"/>
                 </a:solidFill>
               </a:rPr>
-              <a:t>Acknowledging your emotional state is a staple of good psychological and physiological well-being</a:t>
+              <a:t>Acknowledging your emotional state, as a staple of good psychological and physiological well-being.</a:t>
             </a:r>
             <a:r>
               <a:rPr lang="en-US" dirty="0">
@@ -4726,8 +4814,8 @@
         </p:nvSpPr>
         <p:spPr>
           <a:xfrm>
-            <a:off x="219052" y="2225240"/>
-            <a:ext cx="3118981" cy="4247317"/>
+            <a:off x="179868" y="2804241"/>
+            <a:ext cx="3118981" cy="1754326"/>
           </a:xfrm>
           <a:prstGeom prst="rect">
             <a:avLst/>
@@ -4744,84 +4832,21 @@
                 <a:solidFill>
                   <a:schemeClr val="bg1"/>
                 </a:solidFill>
+                <a:hlinkClick r:id="rId3"/>
               </a:rPr>
-              <a:t>As we’re exploring </a:t>
+              <a:t>http</a:t>
             </a:r>
             <a:r>
               <a:rPr lang="en-US" dirty="0">
-                <a:solidFill>
-                  <a:schemeClr val="bg1"/>
-                </a:solidFill>
-              </a:rPr>
-              <a:t>new interaction methods between people and </a:t>
-            </a:r>
-            <a:r>
-              <a:rPr lang="en-US" dirty="0" smtClean="0">
-                <a:solidFill>
-                  <a:schemeClr val="bg1"/>
-                </a:solidFill>
-              </a:rPr>
-              <a:t>computers, we can  explore the interacti0n of mind to brain.</a:t>
-            </a:r>
-          </a:p>
-          <a:p>
-            <a:endParaRPr lang="en-US" dirty="0">
-              <a:solidFill>
-                <a:schemeClr val="bg1"/>
-              </a:solidFill>
-            </a:endParaRPr>
-          </a:p>
-          <a:p>
-            <a:endParaRPr lang="en-US" dirty="0" smtClean="0">
-              <a:solidFill>
-                <a:schemeClr val="bg1"/>
-              </a:solidFill>
-            </a:endParaRPr>
-          </a:p>
-          <a:p>
-            <a:r>
-              <a:rPr lang="en-US" dirty="0" smtClean="0">
-                <a:solidFill>
-                  <a:schemeClr val="bg1"/>
-                </a:solidFill>
-              </a:rPr>
-              <a:t>…or “Emotional </a:t>
-            </a:r>
-            <a:r>
-              <a:rPr lang="en-US" smtClean="0">
-                <a:solidFill>
-                  <a:schemeClr val="bg1"/>
-                </a:solidFill>
-              </a:rPr>
-              <a:t>Acceptance”</a:t>
-            </a:r>
-          </a:p>
-          <a:p>
-            <a:endParaRPr lang="en-US">
-              <a:solidFill>
-                <a:schemeClr val="bg1"/>
-              </a:solidFill>
-            </a:endParaRPr>
-          </a:p>
-          <a:p>
-            <a:endParaRPr lang="en-US" smtClean="0">
-              <a:solidFill>
-                <a:schemeClr val="bg1"/>
-              </a:solidFill>
-            </a:endParaRPr>
-          </a:p>
-          <a:p>
-            <a:r>
-              <a:rPr lang="en-US">
                 <a:solidFill>
                   <a:schemeClr val="bg1"/>
                 </a:solidFill>
                 <a:hlinkClick r:id="rId3"/>
               </a:rPr>
-              <a:t>http://psychcentral.com</a:t>
-            </a:r>
-            <a:r>
-              <a:rPr lang="en-US" smtClean="0">
+              <a:t>://psychcentral.com</a:t>
+            </a:r>
+            <a:r>
+              <a:rPr lang="en-US" dirty="0" smtClean="0">
                 <a:solidFill>
                   <a:schemeClr val="bg1"/>
                 </a:solidFill>
@@ -4829,14 +4854,14 @@
               </a:rPr>
               <a:t>/</a:t>
             </a:r>
-            <a:endParaRPr lang="en-US" smtClean="0">
+            <a:endParaRPr lang="en-US" dirty="0" smtClean="0">
               <a:solidFill>
                 <a:schemeClr val="bg1"/>
               </a:solidFill>
             </a:endParaRPr>
           </a:p>
           <a:p>
-            <a:endParaRPr lang="en-US" smtClean="0">
+            <a:endParaRPr lang="en-US" dirty="0" smtClean="0">
               <a:solidFill>
                 <a:schemeClr val="bg1"/>
               </a:solidFill>
@@ -4844,7 +4869,7 @@
           </a:p>
           <a:p>
             <a:r>
-              <a:rPr lang="en-US">
+              <a:rPr lang="en-US" dirty="0">
                 <a:solidFill>
                   <a:schemeClr val="bg1"/>
                 </a:solidFill>
@@ -4853,7 +4878,7 @@
               <a:t>https://www.psychologytoday.com</a:t>
             </a:r>
             <a:r>
-              <a:rPr lang="en-US" smtClean="0">
+              <a:rPr lang="en-US" dirty="0" smtClean="0">
                 <a:solidFill>
                   <a:schemeClr val="bg1"/>
                 </a:solidFill>
@@ -4861,7 +4886,14 @@
               </a:rPr>
               <a:t>/</a:t>
             </a:r>
-            <a:endParaRPr lang="en-US" smtClean="0">
+            <a:endParaRPr lang="en-US" dirty="0" smtClean="0">
+              <a:solidFill>
+                <a:schemeClr val="bg1"/>
+              </a:solidFill>
+            </a:endParaRPr>
+          </a:p>
+          <a:p>
+            <a:endParaRPr lang="en-US" dirty="0">
               <a:solidFill>
                 <a:schemeClr val="bg1"/>
               </a:solidFill>
@@ -5647,6 +5679,66 @@
           <a:chExt cx="0" cy="0"/>
         </a:xfrm>
       </p:grpSpPr>
+      <p:pic>
+        <p:nvPicPr>
+          <p:cNvPr id="2" name="Picture 1"/>
+          <p:cNvPicPr>
+            <a:picLocks noChangeAspect="1"/>
+          </p:cNvPicPr>
+          <p:nvPr/>
+        </p:nvPicPr>
+        <p:blipFill>
+          <a:blip r:embed="rId2">
+            <a:extLst>
+              <a:ext uri="{28A0092B-C50C-407E-A947-70E740481C1C}">
+                <a14:useLocalDpi xmlns:a14="http://schemas.microsoft.com/office/drawing/2010/main" val="0"/>
+              </a:ext>
+            </a:extLst>
+          </a:blip>
+          <a:stretch>
+            <a:fillRect/>
+          </a:stretch>
+        </p:blipFill>
+        <p:spPr>
+          <a:xfrm>
+            <a:off x="1266093" y="33912"/>
+            <a:ext cx="9835460" cy="6824088"/>
+          </a:xfrm>
+          <a:prstGeom prst="rect">
+            <a:avLst/>
+          </a:prstGeom>
+        </p:spPr>
+      </p:pic>
+    </p:spTree>
+    <p:extLst>
+      <p:ext uri="{BB962C8B-B14F-4D97-AF65-F5344CB8AC3E}">
+        <p14:creationId xmlns:p14="http://schemas.microsoft.com/office/powerpoint/2010/main" val="407293960"/>
+      </p:ext>
+    </p:extLst>
+  </p:cSld>
+  <p:clrMapOvr>
+    <a:masterClrMapping/>
+  </p:clrMapOvr>
+</p:sld>
+</file>
+
+<file path=ppt/slides/slide6.xml><?xml version="1.0" encoding="utf-8"?>
+<p:sld xmlns:a="http://schemas.openxmlformats.org/drawingml/2006/main" xmlns:r="http://schemas.openxmlformats.org/officeDocument/2006/relationships" xmlns:p="http://schemas.openxmlformats.org/presentationml/2006/main">
+  <p:cSld>
+    <p:spTree>
+      <p:nvGrpSpPr>
+        <p:cNvPr id="1" name=""/>
+        <p:cNvGrpSpPr/>
+        <p:nvPr/>
+      </p:nvGrpSpPr>
+      <p:grpSpPr>
+        <a:xfrm>
+          <a:off x="0" y="0"/>
+          <a:ext cx="0" cy="0"/>
+          <a:chOff x="0" y="0"/>
+          <a:chExt cx="0" cy="0"/>
+        </a:xfrm>
+      </p:grpSpPr>
       <p:sp>
         <p:nvSpPr>
           <p:cNvPr id="4" name="Title 3"/>
@@ -5832,8 +5924,8 @@
         </p:blipFill>
         <p:spPr bwMode="auto">
           <a:xfrm>
-            <a:off x="7259599" y="4228175"/>
-            <a:ext cx="4465041" cy="1859358"/>
+            <a:off x="7259599" y="3957145"/>
+            <a:ext cx="4465041" cy="2130388"/>
           </a:xfrm>
           <a:prstGeom prst="rect">
             <a:avLst/>
@@ -5950,7 +6042,534 @@
         <p:cTn id="1" dur="indefinite" restart="never" nodeType="tmRoot">
           <p:childTnLst>
             <p:seq concurrent="1" nextAc="seek">
-              <p:cTn id="2" restart="whenNotActive" fill="hold" evtFilter="cancelBubble" nodeType="interactiveSeq">
+              <p:cTn id="2" dur="indefinite" nodeType="mainSeq">
+                <p:childTnLst>
+                  <p:par>
+                    <p:cTn id="3" fill="hold">
+                      <p:stCondLst>
+                        <p:cond delay="indefinite"/>
+                      </p:stCondLst>
+                      <p:childTnLst>
+                        <p:par>
+                          <p:cTn id="4" fill="hold">
+                            <p:stCondLst>
+                              <p:cond delay="0"/>
+                            </p:stCondLst>
+                            <p:childTnLst>
+                              <p:par>
+                                <p:cTn id="5" presetID="10" presetClass="entr" presetSubtype="0" fill="hold" grpId="0" nodeType="clickEffect">
+                                  <p:stCondLst>
+                                    <p:cond delay="0"/>
+                                  </p:stCondLst>
+                                  <p:childTnLst>
+                                    <p:set>
+                                      <p:cBhvr>
+                                        <p:cTn id="6" dur="1" fill="hold">
+                                          <p:stCondLst>
+                                            <p:cond delay="0"/>
+                                          </p:stCondLst>
+                                        </p:cTn>
+                                        <p:tgtEl>
+                                          <p:spTgt spid="4"/>
+                                        </p:tgtEl>
+                                        <p:attrNameLst>
+                                          <p:attrName>style.visibility</p:attrName>
+                                        </p:attrNameLst>
+                                      </p:cBhvr>
+                                      <p:to>
+                                        <p:strVal val="visible"/>
+                                      </p:to>
+                                    </p:set>
+                                    <p:animEffect transition="in" filter="fade">
+                                      <p:cBhvr>
+                                        <p:cTn id="7" dur="500"/>
+                                        <p:tgtEl>
+                                          <p:spTgt spid="4"/>
+                                        </p:tgtEl>
+                                      </p:cBhvr>
+                                    </p:animEffect>
+                                  </p:childTnLst>
+                                </p:cTn>
+                              </p:par>
+                            </p:childTnLst>
+                          </p:cTn>
+                        </p:par>
+                      </p:childTnLst>
+                    </p:cTn>
+                  </p:par>
+                  <p:par>
+                    <p:cTn id="8" fill="hold">
+                      <p:stCondLst>
+                        <p:cond delay="indefinite"/>
+                      </p:stCondLst>
+                      <p:childTnLst>
+                        <p:par>
+                          <p:cTn id="9" fill="hold">
+                            <p:stCondLst>
+                              <p:cond delay="0"/>
+                            </p:stCondLst>
+                            <p:childTnLst>
+                              <p:par>
+                                <p:cTn id="10" presetID="2" presetClass="entr" presetSubtype="4" fill="hold" nodeType="clickEffect">
+                                  <p:stCondLst>
+                                    <p:cond delay="0"/>
+                                  </p:stCondLst>
+                                  <p:childTnLst>
+                                    <p:set>
+                                      <p:cBhvr>
+                                        <p:cTn id="11" dur="1" fill="hold">
+                                          <p:stCondLst>
+                                            <p:cond delay="0"/>
+                                          </p:stCondLst>
+                                        </p:cTn>
+                                        <p:tgtEl>
+                                          <p:spTgt spid="9"/>
+                                        </p:tgtEl>
+                                        <p:attrNameLst>
+                                          <p:attrName>style.visibility</p:attrName>
+                                        </p:attrNameLst>
+                                      </p:cBhvr>
+                                      <p:to>
+                                        <p:strVal val="visible"/>
+                                      </p:to>
+                                    </p:set>
+                                    <p:anim calcmode="lin" valueType="num">
+                                      <p:cBhvr additive="base">
+                                        <p:cTn id="12" dur="500" fill="hold"/>
+                                        <p:tgtEl>
+                                          <p:spTgt spid="9"/>
+                                        </p:tgtEl>
+                                        <p:attrNameLst>
+                                          <p:attrName>ppt_x</p:attrName>
+                                        </p:attrNameLst>
+                                      </p:cBhvr>
+                                      <p:tavLst>
+                                        <p:tav tm="0">
+                                          <p:val>
+                                            <p:strVal val="#ppt_x"/>
+                                          </p:val>
+                                        </p:tav>
+                                        <p:tav tm="100000">
+                                          <p:val>
+                                            <p:strVal val="#ppt_x"/>
+                                          </p:val>
+                                        </p:tav>
+                                      </p:tavLst>
+                                    </p:anim>
+                                    <p:anim calcmode="lin" valueType="num">
+                                      <p:cBhvr additive="base">
+                                        <p:cTn id="13" dur="500" fill="hold"/>
+                                        <p:tgtEl>
+                                          <p:spTgt spid="9"/>
+                                        </p:tgtEl>
+                                        <p:attrNameLst>
+                                          <p:attrName>ppt_y</p:attrName>
+                                        </p:attrNameLst>
+                                      </p:cBhvr>
+                                      <p:tavLst>
+                                        <p:tav tm="0">
+                                          <p:val>
+                                            <p:strVal val="1+#ppt_h/2"/>
+                                          </p:val>
+                                        </p:tav>
+                                        <p:tav tm="100000">
+                                          <p:val>
+                                            <p:strVal val="#ppt_y"/>
+                                          </p:val>
+                                        </p:tav>
+                                      </p:tavLst>
+                                    </p:anim>
+                                  </p:childTnLst>
+                                </p:cTn>
+                              </p:par>
+                              <p:par>
+                                <p:cTn id="14" presetID="2" presetClass="entr" presetSubtype="4" fill="hold" grpId="0" nodeType="withEffect">
+                                  <p:stCondLst>
+                                    <p:cond delay="0"/>
+                                  </p:stCondLst>
+                                  <p:childTnLst>
+                                    <p:set>
+                                      <p:cBhvr>
+                                        <p:cTn id="15" dur="1" fill="hold">
+                                          <p:stCondLst>
+                                            <p:cond delay="0"/>
+                                          </p:stCondLst>
+                                        </p:cTn>
+                                        <p:tgtEl>
+                                          <p:spTgt spid="6">
+                                            <p:txEl>
+                                              <p:pRg st="0" end="0"/>
+                                            </p:txEl>
+                                          </p:spTgt>
+                                        </p:tgtEl>
+                                        <p:attrNameLst>
+                                          <p:attrName>style.visibility</p:attrName>
+                                        </p:attrNameLst>
+                                      </p:cBhvr>
+                                      <p:to>
+                                        <p:strVal val="visible"/>
+                                      </p:to>
+                                    </p:set>
+                                    <p:anim calcmode="lin" valueType="num">
+                                      <p:cBhvr additive="base">
+                                        <p:cTn id="16" dur="500" fill="hold"/>
+                                        <p:tgtEl>
+                                          <p:spTgt spid="6">
+                                            <p:txEl>
+                                              <p:pRg st="0" end="0"/>
+                                            </p:txEl>
+                                          </p:spTgt>
+                                        </p:tgtEl>
+                                        <p:attrNameLst>
+                                          <p:attrName>ppt_x</p:attrName>
+                                        </p:attrNameLst>
+                                      </p:cBhvr>
+                                      <p:tavLst>
+                                        <p:tav tm="0">
+                                          <p:val>
+                                            <p:strVal val="#ppt_x"/>
+                                          </p:val>
+                                        </p:tav>
+                                        <p:tav tm="100000">
+                                          <p:val>
+                                            <p:strVal val="#ppt_x"/>
+                                          </p:val>
+                                        </p:tav>
+                                      </p:tavLst>
+                                    </p:anim>
+                                    <p:anim calcmode="lin" valueType="num">
+                                      <p:cBhvr additive="base">
+                                        <p:cTn id="17" dur="500" fill="hold"/>
+                                        <p:tgtEl>
+                                          <p:spTgt spid="6">
+                                            <p:txEl>
+                                              <p:pRg st="0" end="0"/>
+                                            </p:txEl>
+                                          </p:spTgt>
+                                        </p:tgtEl>
+                                        <p:attrNameLst>
+                                          <p:attrName>ppt_y</p:attrName>
+                                        </p:attrNameLst>
+                                      </p:cBhvr>
+                                      <p:tavLst>
+                                        <p:tav tm="0">
+                                          <p:val>
+                                            <p:strVal val="1+#ppt_h/2"/>
+                                          </p:val>
+                                        </p:tav>
+                                        <p:tav tm="100000">
+                                          <p:val>
+                                            <p:strVal val="#ppt_y"/>
+                                          </p:val>
+                                        </p:tav>
+                                      </p:tavLst>
+                                    </p:anim>
+                                  </p:childTnLst>
+                                </p:cTn>
+                              </p:par>
+                            </p:childTnLst>
+                          </p:cTn>
+                        </p:par>
+                      </p:childTnLst>
+                    </p:cTn>
+                  </p:par>
+                  <p:par>
+                    <p:cTn id="18" fill="hold">
+                      <p:stCondLst>
+                        <p:cond delay="indefinite"/>
+                      </p:stCondLst>
+                      <p:childTnLst>
+                        <p:par>
+                          <p:cTn id="19" fill="hold">
+                            <p:stCondLst>
+                              <p:cond delay="0"/>
+                            </p:stCondLst>
+                            <p:childTnLst>
+                              <p:par>
+                                <p:cTn id="20" presetID="2" presetClass="entr" presetSubtype="4" fill="hold" grpId="0" nodeType="clickEffect">
+                                  <p:stCondLst>
+                                    <p:cond delay="0"/>
+                                  </p:stCondLst>
+                                  <p:childTnLst>
+                                    <p:set>
+                                      <p:cBhvr>
+                                        <p:cTn id="21" dur="1" fill="hold">
+                                          <p:stCondLst>
+                                            <p:cond delay="0"/>
+                                          </p:stCondLst>
+                                        </p:cTn>
+                                        <p:tgtEl>
+                                          <p:spTgt spid="6">
+                                            <p:txEl>
+                                              <p:pRg st="1" end="1"/>
+                                            </p:txEl>
+                                          </p:spTgt>
+                                        </p:tgtEl>
+                                        <p:attrNameLst>
+                                          <p:attrName>style.visibility</p:attrName>
+                                        </p:attrNameLst>
+                                      </p:cBhvr>
+                                      <p:to>
+                                        <p:strVal val="visible"/>
+                                      </p:to>
+                                    </p:set>
+                                    <p:anim calcmode="lin" valueType="num">
+                                      <p:cBhvr additive="base">
+                                        <p:cTn id="22" dur="500" fill="hold"/>
+                                        <p:tgtEl>
+                                          <p:spTgt spid="6">
+                                            <p:txEl>
+                                              <p:pRg st="1" end="1"/>
+                                            </p:txEl>
+                                          </p:spTgt>
+                                        </p:tgtEl>
+                                        <p:attrNameLst>
+                                          <p:attrName>ppt_x</p:attrName>
+                                        </p:attrNameLst>
+                                      </p:cBhvr>
+                                      <p:tavLst>
+                                        <p:tav tm="0">
+                                          <p:val>
+                                            <p:strVal val="#ppt_x"/>
+                                          </p:val>
+                                        </p:tav>
+                                        <p:tav tm="100000">
+                                          <p:val>
+                                            <p:strVal val="#ppt_x"/>
+                                          </p:val>
+                                        </p:tav>
+                                      </p:tavLst>
+                                    </p:anim>
+                                    <p:anim calcmode="lin" valueType="num">
+                                      <p:cBhvr additive="base">
+                                        <p:cTn id="23" dur="500" fill="hold"/>
+                                        <p:tgtEl>
+                                          <p:spTgt spid="6">
+                                            <p:txEl>
+                                              <p:pRg st="1" end="1"/>
+                                            </p:txEl>
+                                          </p:spTgt>
+                                        </p:tgtEl>
+                                        <p:attrNameLst>
+                                          <p:attrName>ppt_y</p:attrName>
+                                        </p:attrNameLst>
+                                      </p:cBhvr>
+                                      <p:tavLst>
+                                        <p:tav tm="0">
+                                          <p:val>
+                                            <p:strVal val="1+#ppt_h/2"/>
+                                          </p:val>
+                                        </p:tav>
+                                        <p:tav tm="100000">
+                                          <p:val>
+                                            <p:strVal val="#ppt_y"/>
+                                          </p:val>
+                                        </p:tav>
+                                      </p:tavLst>
+                                    </p:anim>
+                                  </p:childTnLst>
+                                </p:cTn>
+                              </p:par>
+                            </p:childTnLst>
+                          </p:cTn>
+                        </p:par>
+                      </p:childTnLst>
+                    </p:cTn>
+                  </p:par>
+                  <p:par>
+                    <p:cTn id="24" fill="hold">
+                      <p:stCondLst>
+                        <p:cond delay="indefinite"/>
+                      </p:stCondLst>
+                      <p:childTnLst>
+                        <p:par>
+                          <p:cTn id="25" fill="hold">
+                            <p:stCondLst>
+                              <p:cond delay="0"/>
+                            </p:stCondLst>
+                            <p:childTnLst>
+                              <p:par>
+                                <p:cTn id="26" presetID="2" presetClass="entr" presetSubtype="4" fill="hold" grpId="0" nodeType="clickEffect">
+                                  <p:stCondLst>
+                                    <p:cond delay="0"/>
+                                  </p:stCondLst>
+                                  <p:childTnLst>
+                                    <p:set>
+                                      <p:cBhvr>
+                                        <p:cTn id="27" dur="1" fill="hold">
+                                          <p:stCondLst>
+                                            <p:cond delay="0"/>
+                                          </p:stCondLst>
+                                        </p:cTn>
+                                        <p:tgtEl>
+                                          <p:spTgt spid="8">
+                                            <p:txEl>
+                                              <p:pRg st="0" end="0"/>
+                                            </p:txEl>
+                                          </p:spTgt>
+                                        </p:tgtEl>
+                                        <p:attrNameLst>
+                                          <p:attrName>style.visibility</p:attrName>
+                                        </p:attrNameLst>
+                                      </p:cBhvr>
+                                      <p:to>
+                                        <p:strVal val="visible"/>
+                                      </p:to>
+                                    </p:set>
+                                    <p:anim calcmode="lin" valueType="num">
+                                      <p:cBhvr additive="base">
+                                        <p:cTn id="28" dur="500" fill="hold"/>
+                                        <p:tgtEl>
+                                          <p:spTgt spid="8">
+                                            <p:txEl>
+                                              <p:pRg st="0" end="0"/>
+                                            </p:txEl>
+                                          </p:spTgt>
+                                        </p:tgtEl>
+                                        <p:attrNameLst>
+                                          <p:attrName>ppt_x</p:attrName>
+                                        </p:attrNameLst>
+                                      </p:cBhvr>
+                                      <p:tavLst>
+                                        <p:tav tm="0">
+                                          <p:val>
+                                            <p:strVal val="#ppt_x"/>
+                                          </p:val>
+                                        </p:tav>
+                                        <p:tav tm="100000">
+                                          <p:val>
+                                            <p:strVal val="#ppt_x"/>
+                                          </p:val>
+                                        </p:tav>
+                                      </p:tavLst>
+                                    </p:anim>
+                                    <p:anim calcmode="lin" valueType="num">
+                                      <p:cBhvr additive="base">
+                                        <p:cTn id="29" dur="500" fill="hold"/>
+                                        <p:tgtEl>
+                                          <p:spTgt spid="8">
+                                            <p:txEl>
+                                              <p:pRg st="0" end="0"/>
+                                            </p:txEl>
+                                          </p:spTgt>
+                                        </p:tgtEl>
+                                        <p:attrNameLst>
+                                          <p:attrName>ppt_y</p:attrName>
+                                        </p:attrNameLst>
+                                      </p:cBhvr>
+                                      <p:tavLst>
+                                        <p:tav tm="0">
+                                          <p:val>
+                                            <p:strVal val="1+#ppt_h/2"/>
+                                          </p:val>
+                                        </p:tav>
+                                        <p:tav tm="100000">
+                                          <p:val>
+                                            <p:strVal val="#ppt_y"/>
+                                          </p:val>
+                                        </p:tav>
+                                      </p:tavLst>
+                                    </p:anim>
+                                  </p:childTnLst>
+                                </p:cTn>
+                              </p:par>
+                            </p:childTnLst>
+                          </p:cTn>
+                        </p:par>
+                      </p:childTnLst>
+                    </p:cTn>
+                  </p:par>
+                  <p:par>
+                    <p:cTn id="30" fill="hold">
+                      <p:stCondLst>
+                        <p:cond delay="indefinite"/>
+                      </p:stCondLst>
+                      <p:childTnLst>
+                        <p:par>
+                          <p:cTn id="31" fill="hold">
+                            <p:stCondLst>
+                              <p:cond delay="0"/>
+                            </p:stCondLst>
+                            <p:childTnLst>
+                              <p:par>
+                                <p:cTn id="32" presetID="1" presetClass="entr" presetSubtype="0" fill="hold" nodeType="clickEffect">
+                                  <p:stCondLst>
+                                    <p:cond delay="0"/>
+                                  </p:stCondLst>
+                                  <p:childTnLst>
+                                    <p:set>
+                                      <p:cBhvr>
+                                        <p:cTn id="33" dur="1" fill="hold">
+                                          <p:stCondLst>
+                                            <p:cond delay="0"/>
+                                          </p:stCondLst>
+                                        </p:cTn>
+                                        <p:tgtEl>
+                                          <p:spTgt spid="1028"/>
+                                        </p:tgtEl>
+                                        <p:attrNameLst>
+                                          <p:attrName>style.visibility</p:attrName>
+                                        </p:attrNameLst>
+                                      </p:cBhvr>
+                                      <p:to>
+                                        <p:strVal val="visible"/>
+                                      </p:to>
+                                    </p:set>
+                                  </p:childTnLst>
+                                </p:cTn>
+                              </p:par>
+                              <p:par>
+                                <p:cTn id="34" presetID="1" presetClass="entr" presetSubtype="0" fill="hold" grpId="0" nodeType="withEffect">
+                                  <p:stCondLst>
+                                    <p:cond delay="0"/>
+                                  </p:stCondLst>
+                                  <p:childTnLst>
+                                    <p:set>
+                                      <p:cBhvr>
+                                        <p:cTn id="35" dur="1" fill="hold">
+                                          <p:stCondLst>
+                                            <p:cond delay="0"/>
+                                          </p:stCondLst>
+                                        </p:cTn>
+                                        <p:tgtEl>
+                                          <p:spTgt spid="10"/>
+                                        </p:tgtEl>
+                                        <p:attrNameLst>
+                                          <p:attrName>style.visibility</p:attrName>
+                                        </p:attrNameLst>
+                                      </p:cBhvr>
+                                      <p:to>
+                                        <p:strVal val="visible"/>
+                                      </p:to>
+                                    </p:set>
+                                  </p:childTnLst>
+                                </p:cTn>
+                              </p:par>
+                            </p:childTnLst>
+                          </p:cTn>
+                        </p:par>
+                      </p:childTnLst>
+                    </p:cTn>
+                  </p:par>
+                </p:childTnLst>
+              </p:cTn>
+              <p:prevCondLst>
+                <p:cond evt="onPrev" delay="0">
+                  <p:tgtEl>
+                    <p:sldTgt/>
+                  </p:tgtEl>
+                </p:cond>
+              </p:prevCondLst>
+              <p:nextCondLst>
+                <p:cond evt="onNext" delay="0">
+                  <p:tgtEl>
+                    <p:sldTgt/>
+                  </p:tgtEl>
+                </p:cond>
+              </p:nextCondLst>
+            </p:seq>
+            <p:seq concurrent="1" nextAc="seek">
+              <p:cTn id="36" restart="whenNotActive" fill="hold" evtFilter="cancelBubble" nodeType="interactiveSeq">
                 <p:stCondLst>
                   <p:cond evt="onClick" delay="0">
                     <p:tgtEl>
@@ -5963,26 +6582,26 @@
                 </p:endSync>
                 <p:childTnLst>
                   <p:par>
-                    <p:cTn id="3" fill="hold">
+                    <p:cTn id="37" fill="hold">
                       <p:stCondLst>
                         <p:cond delay="0"/>
                       </p:stCondLst>
                       <p:childTnLst>
                         <p:par>
-                          <p:cTn id="4" fill="hold">
+                          <p:cTn id="38" fill="hold">
                             <p:stCondLst>
                               <p:cond delay="0"/>
                             </p:stCondLst>
                             <p:childTnLst>
                               <p:par>
-                                <p:cTn id="5" presetID="1" presetClass="mediacall" presetSubtype="0" fill="hold" nodeType="clickEffect">
+                                <p:cTn id="39" presetID="1" presetClass="mediacall" presetSubtype="0" fill="hold" nodeType="clickEffect">
                                   <p:stCondLst>
                                     <p:cond delay="0"/>
                                   </p:stCondLst>
                                   <p:childTnLst>
                                     <p:cmd type="call" cmd="playFrom(0.0)">
                                       <p:cBhvr>
-                                        <p:cTn id="6" dur="116218" fill="hold"/>
+                                        <p:cTn id="40" dur="116218" fill="hold"/>
                                         <p:tgtEl>
                                           <p:spTgt spid="12"/>
                                         </p:tgtEl>
@@ -6009,7 +6628,7 @@
             </p:seq>
             <p:audio>
               <p:cMediaNode vol="80000">
-                <p:cTn id="7" fill="hold" display="0">
+                <p:cTn id="41" fill="hold" display="0">
                   <p:stCondLst>
                     <p:cond delay="indefinite"/>
                   </p:stCondLst>
@@ -6030,6 +6649,12 @@
         </p:cTn>
       </p:par>
     </p:tnLst>
+    <p:bldLst>
+      <p:bldP spid="4" grpId="0"/>
+      <p:bldP spid="6" grpId="0" build="p"/>
+      <p:bldP spid="8" grpId="0" build="p"/>
+      <p:bldP spid="10" grpId="0"/>
+    </p:bldLst>
   </p:timing>
 </p:sld>
 </file>
